--- a/Exam1/redhat_presentation.pptx
+++ b/Exam1/redhat_presentation.pptx
@@ -17,7 +17,11 @@
     <p:sldId id="265" r:id="rId11"/>
     <p:sldId id="266" r:id="rId12"/>
     <p:sldId id="267" r:id="rId13"/>
-    <p:sldId id="268" r:id="rId14"/>
+    <p:sldId id="269" r:id="rId14"/>
+    <p:sldId id="270" r:id="rId15"/>
+    <p:sldId id="271" r:id="rId16"/>
+    <p:sldId id="272" r:id="rId17"/>
+    <p:sldId id="273" r:id="rId18"/>
   </p:sldIdLst>
   <p:sldSz cx="12192000" cy="6858000"/>
   <p:notesSz cx="6858000" cy="9144000"/>
@@ -116,6 +120,11 @@
       </a:defRPr>
     </a:lvl9pPr>
   </p:defaultTextStyle>
+  <p:extLst>
+    <p:ext uri="{EFAFB233-063F-42B5-8137-9DF3F51BA10A}">
+      <p15:sldGuideLst xmlns:p15="http://schemas.microsoft.com/office/powerpoint/2012/main"/>
+    </p:ext>
+  </p:extLst>
 </p:presentation>
 </file>
 
@@ -313,7 +322,7 @@
           <a:p>
             <a:fld id="{726ED139-0480-4198-83E2-68CE0B25BC9B}" type="datetimeFigureOut">
               <a:rPr lang="en-US" dirty="0"/>
-              <a:t>5/11/2022</a:t>
+              <a:t>5/16/2022</a:t>
             </a:fld>
             <a:endParaRPr lang="en-US" dirty="0"/>
           </a:p>
@@ -479,7 +488,7 @@
           <a:p>
             <a:fld id="{3A97CE23-3B6A-482C-9BEA-F32A9EB44C40}" type="datetimeFigureOut">
               <a:rPr lang="en-US" dirty="0"/>
-              <a:t>5/11/2022</a:t>
+              <a:t>5/16/2022</a:t>
             </a:fld>
             <a:endParaRPr lang="en-US" dirty="0"/>
           </a:p>
@@ -695,7 +704,7 @@
           <a:p>
             <a:fld id="{0639C8FD-9717-4D78-9D01-4CBD0AC8CAE0}" type="datetimeFigureOut">
               <a:rPr lang="en-US" dirty="0"/>
-              <a:t>5/11/2022</a:t>
+              <a:t>5/16/2022</a:t>
             </a:fld>
             <a:endParaRPr lang="en-US" dirty="0"/>
           </a:p>
@@ -901,7 +910,7 @@
           <a:p>
             <a:fld id="{B082BD47-5F5E-4508-9DFC-0021F20B392D}" type="datetimeFigureOut">
               <a:rPr lang="en-US" dirty="0"/>
-              <a:t>5/11/2022</a:t>
+              <a:t>5/16/2022</a:t>
             </a:fld>
             <a:endParaRPr lang="en-US" dirty="0"/>
           </a:p>
@@ -1191,7 +1200,7 @@
           <a:p>
             <a:fld id="{07BB23E3-326B-4424-9A50-2CBB9CA4B2E5}" type="datetimeFigureOut">
               <a:rPr lang="en-US" dirty="0"/>
-              <a:t>5/11/2022</a:t>
+              <a:t>5/16/2022</a:t>
             </a:fld>
             <a:endParaRPr lang="en-US" dirty="0"/>
           </a:p>
@@ -1515,7 +1524,7 @@
           <a:p>
             <a:fld id="{FAA09F6F-C437-48B6-80BB-8E50899C06AF}" type="datetimeFigureOut">
               <a:rPr lang="en-US" dirty="0"/>
-              <a:t>5/11/2022</a:t>
+              <a:t>5/16/2022</a:t>
             </a:fld>
             <a:endParaRPr lang="en-US" dirty="0"/>
           </a:p>
@@ -2002,7 +2011,7 @@
           <a:p>
             <a:fld id="{1A776D14-B85F-4865-804C-5734F9C85CDD}" type="datetimeFigureOut">
               <a:rPr lang="en-US" dirty="0"/>
-              <a:t>5/11/2022</a:t>
+              <a:t>5/16/2022</a:t>
             </a:fld>
             <a:endParaRPr lang="en-US" dirty="0"/>
           </a:p>
@@ -2156,7 +2165,7 @@
           <a:p>
             <a:fld id="{A8956C38-6601-4688-9146-5E61D8B04598}" type="datetimeFigureOut">
               <a:rPr lang="en-US" dirty="0"/>
-              <a:t>5/11/2022</a:t>
+              <a:t>5/16/2022</a:t>
             </a:fld>
             <a:endParaRPr lang="en-US" dirty="0"/>
           </a:p>
@@ -2287,7 +2296,7 @@
           <a:p>
             <a:fld id="{3046061E-CDAE-49E3-92CB-288B639C3B6F}" type="datetimeFigureOut">
               <a:rPr lang="en-US" dirty="0"/>
-              <a:t>5/11/2022</a:t>
+              <a:t>5/16/2022</a:t>
             </a:fld>
             <a:endParaRPr lang="en-US" dirty="0"/>
           </a:p>
@@ -2610,7 +2619,7 @@
           <a:p>
             <a:fld id="{A35E9851-4767-4B63-B36B-F772D06043F2}" type="datetimeFigureOut">
               <a:rPr lang="en-US" dirty="0"/>
-              <a:t>5/11/2022</a:t>
+              <a:t>5/16/2022</a:t>
             </a:fld>
             <a:endParaRPr lang="en-US" dirty="0"/>
           </a:p>
@@ -2920,7 +2929,7 @@
           <a:p>
             <a:fld id="{7309A586-BE94-448D-BAE3-D5D323B9149F}" type="datetimeFigureOut">
               <a:rPr lang="en-US" dirty="0"/>
-              <a:t>5/11/2022</a:t>
+              <a:t>5/16/2022</a:t>
             </a:fld>
             <a:endParaRPr lang="en-US" dirty="0"/>
           </a:p>
@@ -3167,7 +3176,7 @@
           <a:p>
             <a:fld id="{ADDEAF24-54CC-4408-99B3-A70A172EFF44}" type="datetimeFigureOut">
               <a:rPr lang="en-US" dirty="0"/>
-              <a:t>5/11/2022</a:t>
+              <a:t>5/16/2022</a:t>
             </a:fld>
             <a:endParaRPr lang="en-US" dirty="0"/>
           </a:p>
@@ -4200,31 +4209,35 @@
           </a:p>
         </p:txBody>
       </p:sp>
-      <p:sp>
-        <p:nvSpPr>
-          <p:cNvPr id="3" name="Content Placeholder 2">
+      <p:pic>
+        <p:nvPicPr>
+          <p:cNvPr id="5" name="Content Placeholder 4">
             <a:extLst>
               <a:ext uri="{FF2B5EF4-FFF2-40B4-BE49-F238E27FC236}">
-                <a16:creationId xmlns:a16="http://schemas.microsoft.com/office/drawing/2014/main" id="{9DF5D8E8-E9F0-1A92-25B7-1EF89DE6C735}"/>
+                <a16:creationId xmlns:a16="http://schemas.microsoft.com/office/drawing/2014/main" id="{6041CAA0-AEEA-E131-F6BD-DCA08597F30B}"/>
               </a:ext>
             </a:extLst>
           </p:cNvPr>
-          <p:cNvSpPr>
-            <a:spLocks noGrp="1"/>
-          </p:cNvSpPr>
+          <p:cNvPicPr>
+            <a:picLocks noGrp="1" noChangeAspect="1"/>
+          </p:cNvPicPr>
           <p:nvPr>
             <p:ph idx="1"/>
           </p:nvPr>
-        </p:nvSpPr>
-        <p:spPr/>
-        <p:txBody>
-          <a:bodyPr/>
-          <a:lstStyle/>
-          <a:p>
-            <a:endParaRPr lang="en-US" dirty="0"/>
-          </a:p>
-        </p:txBody>
-      </p:sp>
+        </p:nvPicPr>
+        <p:blipFill>
+          <a:blip r:embed="rId2"/>
+          <a:stretch>
+            <a:fillRect/>
+          </a:stretch>
+        </p:blipFill>
+        <p:spPr>
+          <a:xfrm>
+            <a:off x="2669570" y="1828800"/>
+            <a:ext cx="5779711" cy="4351338"/>
+          </a:xfrm>
+        </p:spPr>
+      </p:pic>
     </p:spTree>
     <p:extLst>
       <p:ext uri="{BB962C8B-B14F-4D97-AF65-F5344CB8AC3E}">
@@ -4260,7 +4273,7 @@
           <p:cNvPr id="2" name="Title 1">
             <a:extLst>
               <a:ext uri="{FF2B5EF4-FFF2-40B4-BE49-F238E27FC236}">
-                <a16:creationId xmlns:a16="http://schemas.microsoft.com/office/drawing/2014/main" id="{4E105B3E-7BF0-F5A3-8A8B-2717B52A2E79}"/>
+                <a16:creationId xmlns:a16="http://schemas.microsoft.com/office/drawing/2014/main" id="{5F9F0C40-0E7F-A05A-8BBA-F248993DCB17}"/>
               </a:ext>
             </a:extLst>
           </p:cNvPr>
@@ -4278,41 +4291,397 @@
           <a:p>
             <a:r>
               <a:rPr lang="en-US" dirty="0" err="1"/>
-              <a:t>Demostracion</a:t>
-            </a:r>
-            <a:endParaRPr lang="en-US" dirty="0"/>
-          </a:p>
-        </p:txBody>
-      </p:sp>
-      <p:sp>
-        <p:nvSpPr>
-          <p:cNvPr id="3" name="Content Placeholder 2">
+              <a:t>Instalacion</a:t>
+            </a:r>
+            <a:endParaRPr lang="en-US" dirty="0"/>
+          </a:p>
+        </p:txBody>
+      </p:sp>
+      <p:pic>
+        <p:nvPicPr>
+          <p:cNvPr id="5" name="Content Placeholder 4">
             <a:extLst>
               <a:ext uri="{FF2B5EF4-FFF2-40B4-BE49-F238E27FC236}">
-                <a16:creationId xmlns:a16="http://schemas.microsoft.com/office/drawing/2014/main" id="{D21470D1-F941-6814-C27F-D8F9F3273A98}"/>
+                <a16:creationId xmlns:a16="http://schemas.microsoft.com/office/drawing/2014/main" id="{752AE49E-36A7-2969-4C38-7D30ED85C3A4}"/>
               </a:ext>
             </a:extLst>
           </p:cNvPr>
-          <p:cNvSpPr>
-            <a:spLocks noGrp="1"/>
-          </p:cNvSpPr>
+          <p:cNvPicPr>
+            <a:picLocks noGrp="1" noChangeAspect="1"/>
+          </p:cNvPicPr>
           <p:nvPr>
             <p:ph idx="1"/>
           </p:nvPr>
-        </p:nvSpPr>
-        <p:spPr/>
-        <p:txBody>
-          <a:bodyPr/>
-          <a:lstStyle/>
-          <a:p>
-            <a:endParaRPr lang="en-US"/>
-          </a:p>
-        </p:txBody>
-      </p:sp>
+        </p:nvPicPr>
+        <p:blipFill>
+          <a:blip r:embed="rId2"/>
+          <a:stretch>
+            <a:fillRect/>
+          </a:stretch>
+        </p:blipFill>
+        <p:spPr>
+          <a:xfrm>
+            <a:off x="2596244" y="1828800"/>
+            <a:ext cx="5926362" cy="4351338"/>
+          </a:xfrm>
+        </p:spPr>
+      </p:pic>
     </p:spTree>
     <p:extLst>
       <p:ext uri="{BB962C8B-B14F-4D97-AF65-F5344CB8AC3E}">
-        <p14:creationId xmlns:p14="http://schemas.microsoft.com/office/powerpoint/2010/main" val="3463492913"/>
+        <p14:creationId xmlns:p14="http://schemas.microsoft.com/office/powerpoint/2010/main" val="167770524"/>
+      </p:ext>
+    </p:extLst>
+  </p:cSld>
+  <p:clrMapOvr>
+    <a:masterClrMapping/>
+  </p:clrMapOvr>
+</p:sld>
+</file>
+
+<file path=ppt/slides/slide14.xml><?xml version="1.0" encoding="utf-8"?>
+<p:sld xmlns:a="http://schemas.openxmlformats.org/drawingml/2006/main" xmlns:r="http://schemas.openxmlformats.org/officeDocument/2006/relationships" xmlns:p="http://schemas.openxmlformats.org/presentationml/2006/main">
+  <p:cSld>
+    <p:spTree>
+      <p:nvGrpSpPr>
+        <p:cNvPr id="1" name=""/>
+        <p:cNvGrpSpPr/>
+        <p:nvPr/>
+      </p:nvGrpSpPr>
+      <p:grpSpPr>
+        <a:xfrm>
+          <a:off x="0" y="0"/>
+          <a:ext cx="0" cy="0"/>
+          <a:chOff x="0" y="0"/>
+          <a:chExt cx="0" cy="0"/>
+        </a:xfrm>
+      </p:grpSpPr>
+      <p:sp>
+        <p:nvSpPr>
+          <p:cNvPr id="2" name="Title 1">
+            <a:extLst>
+              <a:ext uri="{FF2B5EF4-FFF2-40B4-BE49-F238E27FC236}">
+                <a16:creationId xmlns:a16="http://schemas.microsoft.com/office/drawing/2014/main" id="{B53A56E3-E9A0-5CD3-36CA-57F43CA14654}"/>
+              </a:ext>
+            </a:extLst>
+          </p:cNvPr>
+          <p:cNvSpPr>
+            <a:spLocks noGrp="1"/>
+          </p:cNvSpPr>
+          <p:nvPr>
+            <p:ph type="title"/>
+          </p:nvPr>
+        </p:nvSpPr>
+        <p:spPr/>
+        <p:txBody>
+          <a:bodyPr/>
+          <a:lstStyle/>
+          <a:p>
+            <a:r>
+              <a:rPr lang="en-US" dirty="0" err="1"/>
+              <a:t>Instalacion</a:t>
+            </a:r>
+            <a:endParaRPr lang="en-US" dirty="0"/>
+          </a:p>
+        </p:txBody>
+      </p:sp>
+      <p:pic>
+        <p:nvPicPr>
+          <p:cNvPr id="7" name="Content Placeholder 6">
+            <a:extLst>
+              <a:ext uri="{FF2B5EF4-FFF2-40B4-BE49-F238E27FC236}">
+                <a16:creationId xmlns:a16="http://schemas.microsoft.com/office/drawing/2014/main" id="{8A476109-7D9D-C7B0-9B13-32D3F65C3148}"/>
+              </a:ext>
+            </a:extLst>
+          </p:cNvPr>
+          <p:cNvPicPr>
+            <a:picLocks noGrp="1" noChangeAspect="1"/>
+          </p:cNvPicPr>
+          <p:nvPr>
+            <p:ph idx="1"/>
+          </p:nvPr>
+        </p:nvPicPr>
+        <p:blipFill>
+          <a:blip r:embed="rId2"/>
+          <a:stretch>
+            <a:fillRect/>
+          </a:stretch>
+        </p:blipFill>
+        <p:spPr>
+          <a:xfrm>
+            <a:off x="2678335" y="1828800"/>
+            <a:ext cx="5762181" cy="4351338"/>
+          </a:xfrm>
+        </p:spPr>
+      </p:pic>
+    </p:spTree>
+    <p:extLst>
+      <p:ext uri="{BB962C8B-B14F-4D97-AF65-F5344CB8AC3E}">
+        <p14:creationId xmlns:p14="http://schemas.microsoft.com/office/powerpoint/2010/main" val="1712402781"/>
+      </p:ext>
+    </p:extLst>
+  </p:cSld>
+  <p:clrMapOvr>
+    <a:masterClrMapping/>
+  </p:clrMapOvr>
+</p:sld>
+</file>
+
+<file path=ppt/slides/slide15.xml><?xml version="1.0" encoding="utf-8"?>
+<p:sld xmlns:a="http://schemas.openxmlformats.org/drawingml/2006/main" xmlns:r="http://schemas.openxmlformats.org/officeDocument/2006/relationships" xmlns:p="http://schemas.openxmlformats.org/presentationml/2006/main">
+  <p:cSld>
+    <p:spTree>
+      <p:nvGrpSpPr>
+        <p:cNvPr id="1" name=""/>
+        <p:cNvGrpSpPr/>
+        <p:nvPr/>
+      </p:nvGrpSpPr>
+      <p:grpSpPr>
+        <a:xfrm>
+          <a:off x="0" y="0"/>
+          <a:ext cx="0" cy="0"/>
+          <a:chOff x="0" y="0"/>
+          <a:chExt cx="0" cy="0"/>
+        </a:xfrm>
+      </p:grpSpPr>
+      <p:sp>
+        <p:nvSpPr>
+          <p:cNvPr id="2" name="Title 1">
+            <a:extLst>
+              <a:ext uri="{FF2B5EF4-FFF2-40B4-BE49-F238E27FC236}">
+                <a16:creationId xmlns:a16="http://schemas.microsoft.com/office/drawing/2014/main" id="{457105D7-6520-6352-A7FC-EBACF692BA32}"/>
+              </a:ext>
+            </a:extLst>
+          </p:cNvPr>
+          <p:cNvSpPr>
+            <a:spLocks noGrp="1"/>
+          </p:cNvSpPr>
+          <p:nvPr>
+            <p:ph type="title"/>
+          </p:nvPr>
+        </p:nvSpPr>
+        <p:spPr/>
+        <p:txBody>
+          <a:bodyPr/>
+          <a:lstStyle/>
+          <a:p>
+            <a:r>
+              <a:rPr lang="en-US" dirty="0" err="1"/>
+              <a:t>Instalacion</a:t>
+            </a:r>
+            <a:endParaRPr lang="en-US" dirty="0"/>
+          </a:p>
+        </p:txBody>
+      </p:sp>
+      <p:pic>
+        <p:nvPicPr>
+          <p:cNvPr id="5" name="Content Placeholder 4">
+            <a:extLst>
+              <a:ext uri="{FF2B5EF4-FFF2-40B4-BE49-F238E27FC236}">
+                <a16:creationId xmlns:a16="http://schemas.microsoft.com/office/drawing/2014/main" id="{20B6F553-5261-CCAD-0390-77053B8C71A8}"/>
+              </a:ext>
+            </a:extLst>
+          </p:cNvPr>
+          <p:cNvPicPr>
+            <a:picLocks noGrp="1" noChangeAspect="1"/>
+          </p:cNvPicPr>
+          <p:nvPr>
+            <p:ph idx="1"/>
+          </p:nvPr>
+        </p:nvPicPr>
+        <p:blipFill>
+          <a:blip r:embed="rId2"/>
+          <a:stretch>
+            <a:fillRect/>
+          </a:stretch>
+        </p:blipFill>
+        <p:spPr>
+          <a:xfrm>
+            <a:off x="2656020" y="1828800"/>
+            <a:ext cx="5806811" cy="4351338"/>
+          </a:xfrm>
+        </p:spPr>
+      </p:pic>
+    </p:spTree>
+    <p:extLst>
+      <p:ext uri="{BB962C8B-B14F-4D97-AF65-F5344CB8AC3E}">
+        <p14:creationId xmlns:p14="http://schemas.microsoft.com/office/powerpoint/2010/main" val="3962455972"/>
+      </p:ext>
+    </p:extLst>
+  </p:cSld>
+  <p:clrMapOvr>
+    <a:masterClrMapping/>
+  </p:clrMapOvr>
+</p:sld>
+</file>
+
+<file path=ppt/slides/slide16.xml><?xml version="1.0" encoding="utf-8"?>
+<p:sld xmlns:a="http://schemas.openxmlformats.org/drawingml/2006/main" xmlns:r="http://schemas.openxmlformats.org/officeDocument/2006/relationships" xmlns:p="http://schemas.openxmlformats.org/presentationml/2006/main">
+  <p:cSld>
+    <p:spTree>
+      <p:nvGrpSpPr>
+        <p:cNvPr id="1" name=""/>
+        <p:cNvGrpSpPr/>
+        <p:nvPr/>
+      </p:nvGrpSpPr>
+      <p:grpSpPr>
+        <a:xfrm>
+          <a:off x="0" y="0"/>
+          <a:ext cx="0" cy="0"/>
+          <a:chOff x="0" y="0"/>
+          <a:chExt cx="0" cy="0"/>
+        </a:xfrm>
+      </p:grpSpPr>
+      <p:sp>
+        <p:nvSpPr>
+          <p:cNvPr id="2" name="Title 1">
+            <a:extLst>
+              <a:ext uri="{FF2B5EF4-FFF2-40B4-BE49-F238E27FC236}">
+                <a16:creationId xmlns:a16="http://schemas.microsoft.com/office/drawing/2014/main" id="{B9502848-7812-66E0-4613-F7AC62F1784F}"/>
+              </a:ext>
+            </a:extLst>
+          </p:cNvPr>
+          <p:cNvSpPr>
+            <a:spLocks noGrp="1"/>
+          </p:cNvSpPr>
+          <p:nvPr>
+            <p:ph type="title"/>
+          </p:nvPr>
+        </p:nvSpPr>
+        <p:spPr/>
+        <p:txBody>
+          <a:bodyPr/>
+          <a:lstStyle/>
+          <a:p>
+            <a:r>
+              <a:rPr lang="en-US" dirty="0" err="1"/>
+              <a:t>Instalacion</a:t>
+            </a:r>
+            <a:endParaRPr lang="en-US" dirty="0"/>
+          </a:p>
+        </p:txBody>
+      </p:sp>
+      <p:pic>
+        <p:nvPicPr>
+          <p:cNvPr id="5" name="Content Placeholder 4">
+            <a:extLst>
+              <a:ext uri="{FF2B5EF4-FFF2-40B4-BE49-F238E27FC236}">
+                <a16:creationId xmlns:a16="http://schemas.microsoft.com/office/drawing/2014/main" id="{89F1ACA8-8A52-E4CC-66C3-704D08D84BEF}"/>
+              </a:ext>
+            </a:extLst>
+          </p:cNvPr>
+          <p:cNvPicPr>
+            <a:picLocks noGrp="1" noChangeAspect="1"/>
+          </p:cNvPicPr>
+          <p:nvPr>
+            <p:ph idx="1"/>
+          </p:nvPr>
+        </p:nvPicPr>
+        <p:blipFill>
+          <a:blip r:embed="rId2"/>
+          <a:stretch>
+            <a:fillRect/>
+          </a:stretch>
+        </p:blipFill>
+        <p:spPr>
+          <a:xfrm>
+            <a:off x="2692178" y="1828800"/>
+            <a:ext cx="5734495" cy="4351338"/>
+          </a:xfrm>
+        </p:spPr>
+      </p:pic>
+    </p:spTree>
+    <p:extLst>
+      <p:ext uri="{BB962C8B-B14F-4D97-AF65-F5344CB8AC3E}">
+        <p14:creationId xmlns:p14="http://schemas.microsoft.com/office/powerpoint/2010/main" val="3154733464"/>
+      </p:ext>
+    </p:extLst>
+  </p:cSld>
+  <p:clrMapOvr>
+    <a:masterClrMapping/>
+  </p:clrMapOvr>
+</p:sld>
+</file>
+
+<file path=ppt/slides/slide17.xml><?xml version="1.0" encoding="utf-8"?>
+<p:sld xmlns:a="http://schemas.openxmlformats.org/drawingml/2006/main" xmlns:r="http://schemas.openxmlformats.org/officeDocument/2006/relationships" xmlns:p="http://schemas.openxmlformats.org/presentationml/2006/main">
+  <p:cSld>
+    <p:spTree>
+      <p:nvGrpSpPr>
+        <p:cNvPr id="1" name=""/>
+        <p:cNvGrpSpPr/>
+        <p:nvPr/>
+      </p:nvGrpSpPr>
+      <p:grpSpPr>
+        <a:xfrm>
+          <a:off x="0" y="0"/>
+          <a:ext cx="0" cy="0"/>
+          <a:chOff x="0" y="0"/>
+          <a:chExt cx="0" cy="0"/>
+        </a:xfrm>
+      </p:grpSpPr>
+      <p:sp>
+        <p:nvSpPr>
+          <p:cNvPr id="2" name="Title 1">
+            <a:extLst>
+              <a:ext uri="{FF2B5EF4-FFF2-40B4-BE49-F238E27FC236}">
+                <a16:creationId xmlns:a16="http://schemas.microsoft.com/office/drawing/2014/main" id="{8B6D24AD-3EA9-D68B-60B8-9439EDC46F8E}"/>
+              </a:ext>
+            </a:extLst>
+          </p:cNvPr>
+          <p:cNvSpPr>
+            <a:spLocks noGrp="1"/>
+          </p:cNvSpPr>
+          <p:nvPr>
+            <p:ph type="title"/>
+          </p:nvPr>
+        </p:nvSpPr>
+        <p:spPr/>
+        <p:txBody>
+          <a:bodyPr/>
+          <a:lstStyle/>
+          <a:p>
+            <a:r>
+              <a:rPr lang="en-US" dirty="0" err="1"/>
+              <a:t>Instalacion</a:t>
+            </a:r>
+            <a:endParaRPr lang="en-US" dirty="0"/>
+          </a:p>
+        </p:txBody>
+      </p:sp>
+      <p:pic>
+        <p:nvPicPr>
+          <p:cNvPr id="5" name="Content Placeholder 4">
+            <a:extLst>
+              <a:ext uri="{FF2B5EF4-FFF2-40B4-BE49-F238E27FC236}">
+                <a16:creationId xmlns:a16="http://schemas.microsoft.com/office/drawing/2014/main" id="{9CA3150A-CCD5-91A3-3BA8-5BF2954C6284}"/>
+              </a:ext>
+            </a:extLst>
+          </p:cNvPr>
+          <p:cNvPicPr>
+            <a:picLocks noGrp="1" noChangeAspect="1"/>
+          </p:cNvPicPr>
+          <p:nvPr>
+            <p:ph idx="1"/>
+          </p:nvPr>
+        </p:nvPicPr>
+        <p:blipFill>
+          <a:blip r:embed="rId2"/>
+          <a:stretch>
+            <a:fillRect/>
+          </a:stretch>
+        </p:blipFill>
+        <p:spPr>
+          <a:xfrm>
+            <a:off x="2639647" y="1828800"/>
+            <a:ext cx="5839556" cy="4351338"/>
+          </a:xfrm>
+        </p:spPr>
+      </p:pic>
+    </p:spTree>
+    <p:extLst>
+      <p:ext uri="{BB962C8B-B14F-4D97-AF65-F5344CB8AC3E}">
+        <p14:creationId xmlns:p14="http://schemas.microsoft.com/office/powerpoint/2010/main" val="1004116573"/>
       </p:ext>
     </p:extLst>
   </p:cSld>
